--- a/doc/Plakat/plakat.pptx
+++ b/doc/Plakat/plakat.pptx
@@ -1520,7 +1520,7 @@
         <p:spPr>
           <a:xfrm>
             <a:off x="898776" y="896767"/>
-            <a:ext cx="8845847" cy="1754326"/>
+            <a:ext cx="8845847" cy="8648521"/>
           </a:xfrm>
           <a:prstGeom prst="rect">
             <a:avLst/>
@@ -1547,7 +1547,7 @@
                 </a:solidFill>
                 <a:latin typeface="+mj-lt"/>
               </a:rPr>
-              <a:t>Untertitel Absatz/Block</a:t>
+              <a:t>Zusammenfassung</a:t>
             </a:r>
           </a:p>
           <a:p>
@@ -1577,7 +1577,70 @@
               <a:rPr lang="de-CH" altLang="de-DE" sz="3200" dirty="0" smtClean="0">
                 <a:latin typeface="Lucida Sans" pitchFamily="34" charset="0"/>
               </a:rPr>
-              <a:t>Text &amp; Bild</a:t>
+              <a:t>Eines der faszinierendsten Entwicklungen unserer Zeit ist zweifelsohne das Aufkommen von VR (</a:t>
+            </a:r>
+            <a:r>
+              <a:rPr lang="de-CH" altLang="de-DE" sz="3200" dirty="0" err="1" smtClean="0">
+                <a:latin typeface="Lucida Sans" pitchFamily="34" charset="0"/>
+              </a:rPr>
+              <a:t>Vitual</a:t>
+            </a:r>
+            <a:r>
+              <a:rPr lang="de-CH" altLang="de-DE" sz="3200" dirty="0" smtClean="0">
+                <a:latin typeface="Lucida Sans" pitchFamily="34" charset="0"/>
+              </a:rPr>
+              <a:t> Reality) zu einem erschwinglichen Preis. Passend zu dieser Entwicklung finden auch zunehmend neue Peripherie-Geräte ihren Weg in den Markt.</a:t>
+            </a:r>
+          </a:p>
+          <a:p>
+            <a:pPr algn="just">
+              <a:buClr>
+                <a:srgbClr val="FAA500"/>
+              </a:buClr>
+              <a:buSzPct val="80000"/>
+              <a:defRPr/>
+            </a:pPr>
+            <a:r>
+              <a:rPr lang="de-CH" altLang="de-DE" sz="3200" dirty="0" smtClean="0">
+                <a:latin typeface="Lucida Sans" pitchFamily="34" charset="0"/>
+              </a:rPr>
+              <a:t>In diesem Projekt wurde ein VR-Headset, die </a:t>
+            </a:r>
+            <a:r>
+              <a:rPr lang="de-CH" altLang="de-DE" sz="3200" dirty="0" err="1" smtClean="0">
+                <a:latin typeface="Lucida Sans" pitchFamily="34" charset="0"/>
+              </a:rPr>
+              <a:t>Oculus</a:t>
+            </a:r>
+            <a:r>
+              <a:rPr lang="de-CH" altLang="de-DE" sz="3200" dirty="0" smtClean="0">
+                <a:latin typeface="Lucida Sans" pitchFamily="34" charset="0"/>
+              </a:rPr>
+              <a:t> Rift, mit einem Sensor für einfache Handerkennung, der </a:t>
+            </a:r>
+            <a:r>
+              <a:rPr lang="de-CH" altLang="de-DE" sz="3200" dirty="0" err="1" smtClean="0">
+                <a:latin typeface="Lucida Sans" pitchFamily="34" charset="0"/>
+              </a:rPr>
+              <a:t>Leap</a:t>
+            </a:r>
+            <a:r>
+              <a:rPr lang="de-CH" altLang="de-DE" sz="3200" dirty="0" smtClean="0">
+                <a:latin typeface="Lucida Sans" pitchFamily="34" charset="0"/>
+              </a:rPr>
+              <a:t> Motion, gekoppelt, und damit eine </a:t>
+            </a:r>
+            <a:r>
+              <a:rPr lang="de-CH" altLang="de-DE" sz="3200" dirty="0" err="1" smtClean="0">
+                <a:latin typeface="Lucida Sans" pitchFamily="34" charset="0"/>
+              </a:rPr>
+              <a:t>immersive</a:t>
+            </a:r>
+            <a:r>
+              <a:rPr lang="de-CH" altLang="de-DE" sz="3200" dirty="0" smtClean="0">
+                <a:latin typeface="Lucida Sans" pitchFamily="34" charset="0"/>
+              </a:rPr>
+              <a:t> Applikation entwickelt, in der man sich durch die eigene Musiksammlung navigieren kann – alles in einer virtuellen Welt.</a:t>
             </a:r>
             <a:endParaRPr lang="de-CH" altLang="de-DE" sz="3200" dirty="0">
               <a:latin typeface="Lucida Sans" pitchFamily="34" charset="0"/>
@@ -1664,7 +1727,7 @@
         </p:nvSpPr>
         <p:spPr>
           <a:xfrm>
-            <a:off x="10667052" y="893032"/>
+            <a:off x="10667052" y="10037032"/>
             <a:ext cx="8845847" cy="1754326"/>
           </a:xfrm>
           <a:prstGeom prst="rect">
@@ -1692,8 +1755,14 @@
                 </a:solidFill>
                 <a:latin typeface="+mj-lt"/>
               </a:rPr>
-              <a:t>Untertitel Absatz/Block</a:t>
+              <a:t>Die Applikation</a:t>
             </a:r>
+            <a:endParaRPr lang="de-CH" altLang="de-DE" sz="4400" dirty="0" smtClean="0">
+              <a:solidFill>
+                <a:srgbClr val="697D91"/>
+              </a:solidFill>
+              <a:latin typeface="+mj-lt"/>
+            </a:endParaRPr>
           </a:p>
           <a:p>
             <a:pPr algn="just">
@@ -1730,6 +1799,86 @@
           </a:p>
         </p:txBody>
       </p:sp>
+      <p:pic>
+        <p:nvPicPr>
+          <p:cNvPr id="1026" name="Picture 2" descr="D:\Dev\IMVR\doc\Schlussbericht\bilder\logo.png"/>
+          <p:cNvPicPr>
+            <a:picLocks noChangeAspect="1" noChangeArrowheads="1"/>
+          </p:cNvPicPr>
+          <p:nvPr/>
+        </p:nvPicPr>
+        <p:blipFill>
+          <a:blip r:embed="rId2">
+            <a:extLst>
+              <a:ext uri="{28A0092B-C50C-407E-A947-70E740481C1C}">
+                <a14:useLocalDpi xmlns:a14="http://schemas.microsoft.com/office/drawing/2010/main" val="0"/>
+              </a:ext>
+            </a:extLst>
+          </a:blip>
+          <a:srcRect/>
+          <a:stretch>
+            <a:fillRect/>
+          </a:stretch>
+        </p:blipFill>
+        <p:spPr bwMode="auto">
+          <a:xfrm>
+            <a:off x="10242845" y="875399"/>
+            <a:ext cx="9694260" cy="8782483"/>
+          </a:xfrm>
+          <a:prstGeom prst="rect">
+            <a:avLst/>
+          </a:prstGeom>
+          <a:noFill/>
+          <a:extLst>
+            <a:ext uri="{909E8E84-426E-40DD-AFC4-6F175D3DCCD1}">
+              <a14:hiddenFill xmlns:a14="http://schemas.microsoft.com/office/drawing/2010/main">
+                <a:solidFill>
+                  <a:srgbClr val="FFFFFF"/>
+                </a:solidFill>
+              </a14:hiddenFill>
+            </a:ext>
+          </a:extLst>
+        </p:spPr>
+      </p:pic>
+      <p:pic>
+        <p:nvPicPr>
+          <p:cNvPr id="1027" name="Picture 3" descr="D:\Dev\IMVR\doc\Plakat\Leap-Motion-Oculus-Mount.png"/>
+          <p:cNvPicPr>
+            <a:picLocks noChangeAspect="1" noChangeArrowheads="1"/>
+          </p:cNvPicPr>
+          <p:nvPr/>
+        </p:nvPicPr>
+        <p:blipFill rotWithShape="1">
+          <a:blip r:embed="rId3">
+            <a:extLst>
+              <a:ext uri="{28A0092B-C50C-407E-A947-70E740481C1C}">
+                <a14:useLocalDpi xmlns:a14="http://schemas.microsoft.com/office/drawing/2010/main" val="0"/>
+              </a:ext>
+            </a:extLst>
+          </a:blip>
+          <a:srcRect l="10785" r="8612"/>
+          <a:stretch/>
+        </p:blipFill>
+        <p:spPr bwMode="auto">
+          <a:xfrm>
+            <a:off x="685327" y="10629308"/>
+            <a:ext cx="9557518" cy="6669818"/>
+          </a:xfrm>
+          <a:prstGeom prst="rect">
+            <a:avLst/>
+          </a:prstGeom>
+          <a:noFill/>
+          <a:extLst>
+            <a:ext uri="{909E8E84-426E-40DD-AFC4-6F175D3DCCD1}">
+              <a14:hiddenFill xmlns:a14="http://schemas.microsoft.com/office/drawing/2010/main">
+                <a:solidFill>
+                  <a:srgbClr val="FFFFFF"/>
+                </a:solidFill>
+              </a14:hiddenFill>
+            </a:ext>
+          </a:extLst>
+        </p:spPr>
+      </p:pic>
     </p:spTree>
     <p:extLst>
       <p:ext uri="{BB962C8B-B14F-4D97-AF65-F5344CB8AC3E}">
@@ -2011,7 +2160,12 @@
 </file>
 
 <file path=customXml/item1.xml><?xml version="1.0" encoding="utf-8"?>
-<LongProperties xmlns="http://schemas.microsoft.com/office/2006/metadata/longProperties"/>
+<?mso-contentType ?>
+<FormTemplates xmlns="http://schemas.microsoft.com/sharepoint/v3/contenttype/forms">
+  <Display>DocumentLibraryForm</Display>
+  <Edit>DocumentLibraryForm</Edit>
+  <New>DocumentLibraryForm</New>
+</FormTemplates>
 </file>
 
 <file path=customXml/item2.xml><?xml version="1.0" encoding="utf-8"?>
@@ -2160,12 +2314,7 @@
 </file>
 
 <file path=customXml/item3.xml><?xml version="1.0" encoding="utf-8"?>
-<?mso-contentType ?>
-<FormTemplates xmlns="http://schemas.microsoft.com/sharepoint/v3/contenttype/forms">
-  <Display>DocumentLibraryForm</Display>
-  <Edit>DocumentLibraryForm</Edit>
-  <New>DocumentLibraryForm</New>
-</FormTemplates>
+<LongProperties xmlns="http://schemas.microsoft.com/office/2006/metadata/longProperties"/>
 </file>
 
 <file path=customXml/item4.xml><?xml version="1.0" encoding="utf-8"?>
@@ -2187,9 +2336,9 @@
 </file>
 
 <file path=customXml/itemProps1.xml><?xml version="1.0" encoding="utf-8"?>
-<ds:datastoreItem xmlns:ds="http://schemas.openxmlformats.org/officeDocument/2006/customXml" ds:itemID="{34ACECAE-8DDC-4218-ADDE-80828E100BF5}">
+<ds:datastoreItem xmlns:ds="http://schemas.openxmlformats.org/officeDocument/2006/customXml" ds:itemID="{47870AFC-B140-4E73-B0E2-054A74E7EB25}">
   <ds:schemaRefs>
-    <ds:schemaRef ds:uri="http://schemas.microsoft.com/office/2006/metadata/longProperties"/>
+    <ds:schemaRef ds:uri="http://schemas.microsoft.com/sharepoint/v3/contenttype/forms"/>
   </ds:schemaRefs>
 </ds:datastoreItem>
 </file>
@@ -2214,9 +2363,9 @@
 </file>
 
 <file path=customXml/itemProps3.xml><?xml version="1.0" encoding="utf-8"?>
-<ds:datastoreItem xmlns:ds="http://schemas.openxmlformats.org/officeDocument/2006/customXml" ds:itemID="{47870AFC-B140-4E73-B0E2-054A74E7EB25}">
+<ds:datastoreItem xmlns:ds="http://schemas.openxmlformats.org/officeDocument/2006/customXml" ds:itemID="{34ACECAE-8DDC-4218-ADDE-80828E100BF5}">
   <ds:schemaRefs>
-    <ds:schemaRef ds:uri="http://schemas.microsoft.com/sharepoint/v3/contenttype/forms"/>
+    <ds:schemaRef ds:uri="http://schemas.microsoft.com/office/2006/metadata/longProperties"/>
   </ds:schemaRefs>
 </ds:datastoreItem>
 </file>

--- a/doc/Plakat/plakat.pptx
+++ b/doc/Plakat/plakat.pptx
@@ -921,6 +921,45 @@
           <a:chExt cx="0" cy="0"/>
         </a:xfrm>
       </p:grpSpPr>
+      <p:pic>
+        <p:nvPicPr>
+          <p:cNvPr id="1027" name="Picture 3" descr="D:\Dev\IMVR\doc\Plakat\Leap-Motion-Oculus-Mount.png"/>
+          <p:cNvPicPr>
+            <a:picLocks noChangeAspect="1" noChangeArrowheads="1"/>
+          </p:cNvPicPr>
+          <p:nvPr/>
+        </p:nvPicPr>
+        <p:blipFill rotWithShape="1">
+          <a:blip r:embed="rId2">
+            <a:extLst>
+              <a:ext uri="{28A0092B-C50C-407E-A947-70E740481C1C}">
+                <a14:useLocalDpi xmlns:a14="http://schemas.microsoft.com/office/drawing/2010/main" val="0"/>
+              </a:ext>
+            </a:extLst>
+          </a:blip>
+          <a:srcRect l="10785" r="8612"/>
+          <a:stretch/>
+        </p:blipFill>
+        <p:spPr bwMode="auto">
+          <a:xfrm>
+            <a:off x="685327" y="9545288"/>
+            <a:ext cx="9557518" cy="6669818"/>
+          </a:xfrm>
+          <a:prstGeom prst="rect">
+            <a:avLst/>
+          </a:prstGeom>
+          <a:noFill/>
+          <a:extLst>
+            <a:ext uri="{909E8E84-426E-40DD-AFC4-6F175D3DCCD1}">
+              <a14:hiddenFill xmlns:a14="http://schemas.microsoft.com/office/drawing/2010/main">
+                <a:solidFill>
+                  <a:srgbClr val="FFFFFF"/>
+                </a:solidFill>
+              </a14:hiddenFill>
+            </a:ext>
+          </a:extLst>
+        </p:spPr>
+      </p:pic>
       <p:sp>
         <p:nvSpPr>
           <p:cNvPr id="2" name="Textfeld 1" descr="Bitte möglichst die vorgegebene Breite einhalten! Sollte dieser Platz nicht reichen, kann im oberen Teil ein zusätzlicher längerer Titel verwendet werden." title="Titelfeld"/>
@@ -1650,14 +1689,14 @@
       </p:sp>
       <p:sp>
         <p:nvSpPr>
-          <p:cNvPr id="9" name="Textfeld 8"/>
+          <p:cNvPr id="10" name="Textfeld 9"/>
           <p:cNvSpPr txBox="1"/>
           <p:nvPr/>
         </p:nvSpPr>
         <p:spPr>
           <a:xfrm>
-            <a:off x="20356484" y="875399"/>
-            <a:ext cx="8845847" cy="1754326"/>
+            <a:off x="1116980" y="10002488"/>
+            <a:ext cx="18820125" cy="7663636"/>
           </a:xfrm>
           <a:prstGeom prst="rect">
             <a:avLst/>
@@ -1684,78 +1723,7 @@
                 </a:solidFill>
                 <a:latin typeface="+mj-lt"/>
               </a:rPr>
-              <a:t>Untertitel Absatz/Block</a:t>
-            </a:r>
-          </a:p>
-          <a:p>
-            <a:pPr algn="just">
-              <a:buClr>
-                <a:srgbClr val="FAA500"/>
-              </a:buClr>
-              <a:buSzPct val="80000"/>
-              <a:defRPr/>
-            </a:pPr>
-            <a:endParaRPr lang="de-CH" altLang="de-DE" sz="3200" dirty="0" smtClean="0">
-              <a:solidFill>
-                <a:srgbClr val="697D91"/>
-              </a:solidFill>
-              <a:latin typeface="Lucida Sans" pitchFamily="34" charset="0"/>
-            </a:endParaRPr>
-          </a:p>
-          <a:p>
-            <a:pPr algn="just">
-              <a:buClr>
-                <a:srgbClr val="FAA500"/>
-              </a:buClr>
-              <a:buSzPct val="80000"/>
-              <a:defRPr/>
-            </a:pPr>
-            <a:r>
-              <a:rPr lang="de-CH" altLang="de-DE" sz="3200" dirty="0" smtClean="0">
-                <a:latin typeface="Lucida Sans" pitchFamily="34" charset="0"/>
-              </a:rPr>
-              <a:t>Text &amp; Bild</a:t>
-            </a:r>
-          </a:p>
-        </p:txBody>
-      </p:sp>
-      <p:sp>
-        <p:nvSpPr>
-          <p:cNvPr id="10" name="Textfeld 9"/>
-          <p:cNvSpPr txBox="1"/>
-          <p:nvPr/>
-        </p:nvSpPr>
-        <p:spPr>
-          <a:xfrm>
-            <a:off x="10667052" y="10037032"/>
-            <a:ext cx="8845847" cy="1754326"/>
-          </a:xfrm>
-          <a:prstGeom prst="rect">
-            <a:avLst/>
-          </a:prstGeom>
-          <a:noFill/>
-        </p:spPr>
-        <p:txBody>
-          <a:bodyPr wrap="square" rtlCol="0">
-            <a:spAutoFit/>
-          </a:bodyPr>
-          <a:lstStyle/>
-          <a:p>
-            <a:pPr algn="just">
-              <a:buClr>
-                <a:srgbClr val="FAA500"/>
-              </a:buClr>
-              <a:buSzPct val="80000"/>
-              <a:defRPr/>
-            </a:pPr>
-            <a:r>
-              <a:rPr lang="de-CH" altLang="de-DE" sz="4400" dirty="0" smtClean="0">
-                <a:solidFill>
-                  <a:srgbClr val="697D91"/>
-                </a:solidFill>
-                <a:latin typeface="+mj-lt"/>
-              </a:rPr>
-              <a:t>Die Applikation</a:t>
+              <a:t>                                                  IMVR (Images &amp; Music in VR)</a:t>
             </a:r>
             <a:endParaRPr lang="de-CH" altLang="de-DE" sz="4400" dirty="0" smtClean="0">
               <a:solidFill>
@@ -1791,7 +1759,175 @@
               <a:rPr lang="de-CH" altLang="de-DE" sz="3200" dirty="0" smtClean="0">
                 <a:latin typeface="Lucida Sans" pitchFamily="34" charset="0"/>
               </a:rPr>
-              <a:t>Text &amp; Bild</a:t>
+              <a:t>                                                                     Die Applikation, die im Rahmen </a:t>
+            </a:r>
+            <a:r>
+              <a:rPr lang="de-CH" altLang="de-DE" sz="3200" dirty="0">
+                <a:latin typeface="Lucida Sans" pitchFamily="34" charset="0"/>
+              </a:rPr>
+              <a:t>dieser Bachelor-   </a:t>
+            </a:r>
+            <a:r>
+              <a:rPr lang="de-CH" altLang="de-DE" sz="3200" dirty="0" smtClean="0">
+                <a:latin typeface="Lucida Sans" pitchFamily="34" charset="0"/>
+              </a:rPr>
+              <a:t/>
+            </a:r>
+            <a:br>
+              <a:rPr lang="de-CH" altLang="de-DE" sz="3200" dirty="0" smtClean="0">
+                <a:latin typeface="Lucida Sans" pitchFamily="34" charset="0"/>
+              </a:rPr>
+            </a:br>
+            <a:r>
+              <a:rPr lang="de-CH" altLang="de-DE" sz="3200" dirty="0" smtClean="0">
+                <a:latin typeface="Lucida Sans" pitchFamily="34" charset="0"/>
+              </a:rPr>
+              <a:t>                                                                      Arbeit </a:t>
+            </a:r>
+            <a:r>
+              <a:rPr lang="de-CH" altLang="de-DE" sz="3200" dirty="0" smtClean="0">
+                <a:latin typeface="Lucida Sans" pitchFamily="34" charset="0"/>
+              </a:rPr>
+              <a:t>entwickelt wurde, setzt es sich zum Ziel</a:t>
+            </a:r>
+            <a:r>
+              <a:rPr lang="de-CH" altLang="de-DE" sz="3200" dirty="0">
+                <a:latin typeface="Lucida Sans" pitchFamily="34" charset="0"/>
+              </a:rPr>
+              <a:t>,  </a:t>
+            </a:r>
+            <a:br>
+              <a:rPr lang="de-CH" altLang="de-DE" sz="3200" dirty="0">
+                <a:latin typeface="Lucida Sans" pitchFamily="34" charset="0"/>
+              </a:rPr>
+            </a:br>
+            <a:r>
+              <a:rPr lang="de-CH" altLang="de-DE" sz="3200" dirty="0">
+                <a:latin typeface="Lucida Sans" pitchFamily="34" charset="0"/>
+              </a:rPr>
+              <a:t> </a:t>
+            </a:r>
+            <a:r>
+              <a:rPr lang="de-CH" altLang="de-DE" sz="3200" dirty="0" smtClean="0">
+                <a:latin typeface="Lucida Sans" pitchFamily="34" charset="0"/>
+              </a:rPr>
+              <a:t>                                                                     die </a:t>
+            </a:r>
+            <a:r>
+              <a:rPr lang="de-CH" altLang="de-DE" sz="3200" dirty="0" smtClean="0">
+                <a:latin typeface="Lucida Sans" pitchFamily="34" charset="0"/>
+              </a:rPr>
+              <a:t>Musiksammlung des Anwenders zu </a:t>
+            </a:r>
+            <a:br>
+              <a:rPr lang="de-CH" altLang="de-DE" sz="3200" dirty="0" smtClean="0">
+                <a:latin typeface="Lucida Sans" pitchFamily="34" charset="0"/>
+              </a:rPr>
+            </a:br>
+            <a:r>
+              <a:rPr lang="de-CH" altLang="de-DE" sz="3200" dirty="0" smtClean="0">
+                <a:latin typeface="Lucida Sans" pitchFamily="34" charset="0"/>
+              </a:rPr>
+              <a:t>                                                                      indexieren und daraufhin in einer virtuellen Welt </a:t>
+            </a:r>
+            <a:br>
+              <a:rPr lang="de-CH" altLang="de-DE" sz="3200" dirty="0" smtClean="0">
+                <a:latin typeface="Lucida Sans" pitchFamily="34" charset="0"/>
+              </a:rPr>
+            </a:br>
+            <a:r>
+              <a:rPr lang="de-CH" altLang="de-DE" sz="3200" dirty="0" smtClean="0">
+                <a:latin typeface="Lucida Sans" pitchFamily="34" charset="0"/>
+              </a:rPr>
+              <a:t>                                                                      verfügbar zu machen. </a:t>
+            </a:r>
+            <a:r>
+              <a:rPr lang="de-CH" altLang="de-DE" sz="3200" dirty="0" smtClean="0">
+                <a:latin typeface="Lucida Sans" pitchFamily="34" charset="0"/>
+              </a:rPr>
+              <a:t>Um das Erlebnis  </a:t>
+            </a:r>
+            <a:br>
+              <a:rPr lang="de-CH" altLang="de-DE" sz="3200" dirty="0" smtClean="0">
+                <a:latin typeface="Lucida Sans" pitchFamily="34" charset="0"/>
+              </a:rPr>
+            </a:br>
+            <a:r>
+              <a:rPr lang="de-CH" altLang="de-DE" sz="3200" dirty="0" smtClean="0">
+                <a:latin typeface="Lucida Sans" pitchFamily="34" charset="0"/>
+              </a:rPr>
+              <a:t>                                                                      dynamischer zu gestalten, werden die </a:t>
+            </a:r>
+            <a:br>
+              <a:rPr lang="de-CH" altLang="de-DE" sz="3200" dirty="0" smtClean="0">
+                <a:latin typeface="Lucida Sans" pitchFamily="34" charset="0"/>
+              </a:rPr>
+            </a:br>
+            <a:r>
+              <a:rPr lang="de-CH" altLang="de-DE" sz="3200" dirty="0" smtClean="0">
+                <a:latin typeface="Lucida Sans" pitchFamily="34" charset="0"/>
+              </a:rPr>
+              <a:t>                                                                    Musikdateien mit diversen Quellen aus dem </a:t>
+            </a:r>
+            <a:br>
+              <a:rPr lang="de-CH" altLang="de-DE" sz="3200" dirty="0" smtClean="0">
+                <a:latin typeface="Lucida Sans" pitchFamily="34" charset="0"/>
+              </a:rPr>
+            </a:br>
+            <a:r>
+              <a:rPr lang="de-CH" altLang="de-DE" sz="3200" dirty="0" smtClean="0">
+                <a:latin typeface="Lucida Sans" pitchFamily="34" charset="0"/>
+              </a:rPr>
+              <a:t>                                                                 Internet verglichen, mit Album-Covers ergänzt </a:t>
+            </a:r>
+            <a:br>
+              <a:rPr lang="de-CH" altLang="de-DE" sz="3200" dirty="0" smtClean="0">
+                <a:latin typeface="Lucida Sans" pitchFamily="34" charset="0"/>
+              </a:rPr>
+            </a:br>
+            <a:r>
+              <a:rPr lang="de-CH" altLang="de-DE" sz="3200" dirty="0" smtClean="0">
+                <a:latin typeface="Lucida Sans" pitchFamily="34" charset="0"/>
+              </a:rPr>
+              <a:t>                                                             und in verschiedenen Disziplinen wie «Stärke», </a:t>
+            </a:r>
+            <a:br>
+              <a:rPr lang="de-CH" altLang="de-DE" sz="3200" dirty="0" smtClean="0">
+                <a:latin typeface="Lucida Sans" pitchFamily="34" charset="0"/>
+              </a:rPr>
+            </a:br>
+            <a:r>
+              <a:rPr lang="de-CH" altLang="de-DE" sz="3200" dirty="0" smtClean="0">
+                <a:latin typeface="Lucida Sans" pitchFamily="34" charset="0"/>
+              </a:rPr>
+              <a:t>                                                          «Tanzbarkeit» und «Stimmung» bewertet. </a:t>
+            </a:r>
+          </a:p>
+          <a:p>
+            <a:pPr algn="just">
+              <a:buClr>
+                <a:srgbClr val="FAA500"/>
+              </a:buClr>
+              <a:buSzPct val="80000"/>
+              <a:defRPr/>
+            </a:pPr>
+            <a:r>
+              <a:rPr lang="de-CH" altLang="de-DE" sz="3200" dirty="0" smtClean="0">
+                <a:latin typeface="Lucida Sans" pitchFamily="34" charset="0"/>
+              </a:rPr>
+              <a:t>Um alle Barrieren zwischen dem Zuhörer und seiner Musik zu vernichten, wird das Headset mit einem Handsensor bestückt</a:t>
+            </a:r>
+            <a:r>
+              <a:rPr lang="de-CH" altLang="de-DE" sz="3200" dirty="0">
+                <a:latin typeface="Lucida Sans" pitchFamily="34" charset="0"/>
+              </a:rPr>
+              <a:t>, damit der Anwender freihändig mit der Applikation interagieren kann</a:t>
+            </a:r>
+            <a:r>
+              <a:rPr lang="de-CH" altLang="de-DE" sz="3200" dirty="0" smtClean="0">
+                <a:latin typeface="Lucida Sans" pitchFamily="34" charset="0"/>
+              </a:rPr>
+              <a:t>.</a:t>
             </a:r>
             <a:endParaRPr lang="de-CH" altLang="de-DE" sz="3200" dirty="0">
               <a:latin typeface="Lucida Sans" pitchFamily="34" charset="0"/>
@@ -1808,7 +1944,7 @@
           <p:nvPr/>
         </p:nvPicPr>
         <p:blipFill>
-          <a:blip r:embed="rId2">
+          <a:blip r:embed="rId3">
             <a:extLst>
               <a:ext uri="{28A0092B-C50C-407E-A947-70E740481C1C}">
                 <a14:useLocalDpi xmlns:a14="http://schemas.microsoft.com/office/drawing/2010/main" val="0"/>
@@ -1822,8 +1958,8 @@
         </p:blipFill>
         <p:spPr bwMode="auto">
           <a:xfrm>
-            <a:off x="10242845" y="875399"/>
-            <a:ext cx="9694260" cy="8782483"/>
+            <a:off x="10668736" y="953917"/>
+            <a:ext cx="8547254" cy="7743357"/>
           </a:xfrm>
           <a:prstGeom prst="rect">
             <a:avLst/>
@@ -1840,45 +1976,253 @@
           </a:extLst>
         </p:spPr>
       </p:pic>
-      <p:pic>
-        <p:nvPicPr>
-          <p:cNvPr id="1027" name="Picture 3" descr="D:\Dev\IMVR\doc\Plakat\Leap-Motion-Oculus-Mount.png"/>
-          <p:cNvPicPr>
-            <a:picLocks noChangeAspect="1" noChangeArrowheads="1"/>
-          </p:cNvPicPr>
+      <p:sp>
+        <p:nvSpPr>
+          <p:cNvPr id="12" name="Textfeld 11"/>
+          <p:cNvSpPr txBox="1"/>
           <p:nvPr/>
-        </p:nvPicPr>
-        <p:blipFill rotWithShape="1">
-          <a:blip r:embed="rId3">
-            <a:extLst>
-              <a:ext uri="{28A0092B-C50C-407E-A947-70E740481C1C}">
-                <a14:useLocalDpi xmlns:a14="http://schemas.microsoft.com/office/drawing/2010/main" val="0"/>
-              </a:ext>
-            </a:extLst>
-          </a:blip>
-          <a:srcRect l="10785" r="8612"/>
-          <a:stretch/>
-        </p:blipFill>
-        <p:spPr bwMode="auto">
+        </p:nvSpPr>
+        <p:spPr>
           <a:xfrm>
-            <a:off x="685327" y="10629308"/>
-            <a:ext cx="9557518" cy="6669818"/>
+            <a:off x="20493032" y="896767"/>
+            <a:ext cx="8845847" cy="7663636"/>
           </a:xfrm>
           <a:prstGeom prst="rect">
             <a:avLst/>
           </a:prstGeom>
           <a:noFill/>
-          <a:extLst>
-            <a:ext uri="{909E8E84-426E-40DD-AFC4-6F175D3DCCD1}">
-              <a14:hiddenFill xmlns:a14="http://schemas.microsoft.com/office/drawing/2010/main">
+        </p:spPr>
+        <p:txBody>
+          <a:bodyPr wrap="square" rtlCol="0">
+            <a:spAutoFit/>
+          </a:bodyPr>
+          <a:lstStyle/>
+          <a:p>
+            <a:pPr algn="just">
+              <a:buClr>
+                <a:srgbClr val="FAA500"/>
+              </a:buClr>
+              <a:buSzPct val="80000"/>
+              <a:defRPr/>
+            </a:pPr>
+            <a:r>
+              <a:rPr lang="de-CH" altLang="de-DE" sz="4400" dirty="0" smtClean="0">
                 <a:solidFill>
-                  <a:srgbClr val="FFFFFF"/>
+                  <a:srgbClr val="697D91"/>
                 </a:solidFill>
-              </a14:hiddenFill>
-            </a:ext>
-          </a:extLst>
+                <a:latin typeface="+mj-lt"/>
+              </a:rPr>
+              <a:t>Umsetzung</a:t>
+            </a:r>
+          </a:p>
+          <a:p>
+            <a:pPr algn="just">
+              <a:buClr>
+                <a:srgbClr val="FAA500"/>
+              </a:buClr>
+              <a:buSzPct val="80000"/>
+              <a:defRPr/>
+            </a:pPr>
+            <a:endParaRPr lang="de-CH" altLang="de-DE" sz="3200" dirty="0" smtClean="0">
+              <a:solidFill>
+                <a:srgbClr val="697D91"/>
+              </a:solidFill>
+              <a:latin typeface="Lucida Sans" pitchFamily="34" charset="0"/>
+            </a:endParaRPr>
+          </a:p>
+          <a:p>
+            <a:pPr algn="just">
+              <a:buClr>
+                <a:srgbClr val="FAA500"/>
+              </a:buClr>
+              <a:buSzPct val="80000"/>
+              <a:defRPr/>
+            </a:pPr>
+            <a:r>
+              <a:rPr lang="de-CH" altLang="de-DE" sz="3200" dirty="0" smtClean="0">
+                <a:latin typeface="Lucida Sans" pitchFamily="34" charset="0"/>
+              </a:rPr>
+              <a:t>Da eine </a:t>
+            </a:r>
+            <a:r>
+              <a:rPr lang="de-CH" altLang="de-DE" sz="3200" dirty="0" err="1" smtClean="0">
+                <a:latin typeface="Lucida Sans" pitchFamily="34" charset="0"/>
+              </a:rPr>
+              <a:t>low</a:t>
+            </a:r>
+            <a:r>
+              <a:rPr lang="de-CH" altLang="de-DE" sz="3200" dirty="0" smtClean="0">
+                <a:latin typeface="Lucida Sans" pitchFamily="34" charset="0"/>
+              </a:rPr>
+              <a:t>-level Umsetzung technisch und zeitlich ausserhalb des Scopes lag, wurde für diese Arbeit die Spiel-Engine </a:t>
+            </a:r>
+            <a:r>
+              <a:rPr lang="de-CH" altLang="de-DE" sz="3200" dirty="0" err="1" smtClean="0">
+                <a:latin typeface="Lucida Sans" pitchFamily="34" charset="0"/>
+              </a:rPr>
+              <a:t>Unity</a:t>
+            </a:r>
+            <a:r>
+              <a:rPr lang="de-CH" altLang="de-DE" sz="3200" dirty="0" smtClean="0">
+                <a:latin typeface="Lucida Sans" pitchFamily="34" charset="0"/>
+              </a:rPr>
+              <a:t> angewandt. Es existieren </a:t>
+            </a:r>
+            <a:r>
+              <a:rPr lang="de-CH" altLang="de-DE" sz="3200" dirty="0" err="1" smtClean="0">
+                <a:latin typeface="Lucida Sans" pitchFamily="34" charset="0"/>
+              </a:rPr>
+              <a:t>Plugins</a:t>
+            </a:r>
+            <a:r>
+              <a:rPr lang="de-CH" altLang="de-DE" sz="3200" dirty="0" smtClean="0">
+                <a:latin typeface="Lucida Sans" pitchFamily="34" charset="0"/>
+              </a:rPr>
+              <a:t> für die </a:t>
+            </a:r>
+            <a:r>
+              <a:rPr lang="de-CH" altLang="de-DE" sz="3200" dirty="0" err="1" smtClean="0">
+                <a:latin typeface="Lucida Sans" pitchFamily="34" charset="0"/>
+              </a:rPr>
+              <a:t>Oculus</a:t>
+            </a:r>
+            <a:r>
+              <a:rPr lang="de-CH" altLang="de-DE" sz="3200" dirty="0" smtClean="0">
+                <a:latin typeface="Lucida Sans" pitchFamily="34" charset="0"/>
+              </a:rPr>
+              <a:t> Rift und die </a:t>
+            </a:r>
+            <a:r>
+              <a:rPr lang="de-CH" altLang="de-DE" sz="3200" dirty="0" err="1" smtClean="0">
+                <a:latin typeface="Lucida Sans" pitchFamily="34" charset="0"/>
+              </a:rPr>
+              <a:t>Leap</a:t>
+            </a:r>
+            <a:r>
+              <a:rPr lang="de-CH" altLang="de-DE" sz="3200" dirty="0" smtClean="0">
+                <a:latin typeface="Lucida Sans" pitchFamily="34" charset="0"/>
+              </a:rPr>
+              <a:t> Motion, welche an offizieller Stelle entwickelt und vertrieben werden, welche die Einbindung stark vereinfachen.</a:t>
+            </a:r>
+          </a:p>
+          <a:p>
+            <a:pPr algn="just">
+              <a:buClr>
+                <a:srgbClr val="FAA500"/>
+              </a:buClr>
+              <a:buSzPct val="80000"/>
+              <a:defRPr/>
+            </a:pPr>
+            <a:r>
+              <a:rPr lang="de-CH" altLang="de-DE" sz="3200" dirty="0" smtClean="0">
+                <a:latin typeface="Lucida Sans" pitchFamily="34" charset="0"/>
+              </a:rPr>
+              <a:t>Damit keine Zeit beim Erstellen von 3D-Grafiken verloren geht, wurde ein abstrakter Stil für die Applikation gewählt, der auf Geometrien aufbaut, die teilweise auf die Musik reagieren.</a:t>
+            </a:r>
+            <a:endParaRPr lang="de-CH" altLang="de-DE" sz="3200" dirty="0">
+              <a:latin typeface="Lucida Sans" pitchFamily="34" charset="0"/>
+            </a:endParaRPr>
+          </a:p>
+        </p:txBody>
+      </p:sp>
+      <p:sp>
+        <p:nvSpPr>
+          <p:cNvPr id="13" name="Textfeld 12"/>
+          <p:cNvSpPr txBox="1"/>
+          <p:nvPr/>
+        </p:nvSpPr>
+        <p:spPr>
+          <a:xfrm>
+            <a:off x="20493032" y="9048379"/>
+            <a:ext cx="8845847" cy="6678751"/>
+          </a:xfrm>
+          <a:prstGeom prst="rect">
+            <a:avLst/>
+          </a:prstGeom>
+          <a:noFill/>
         </p:spPr>
-      </p:pic>
+        <p:txBody>
+          <a:bodyPr wrap="square" rtlCol="0">
+            <a:spAutoFit/>
+          </a:bodyPr>
+          <a:lstStyle/>
+          <a:p>
+            <a:pPr algn="just">
+              <a:buClr>
+                <a:srgbClr val="FAA500"/>
+              </a:buClr>
+              <a:buSzPct val="80000"/>
+              <a:defRPr/>
+            </a:pPr>
+            <a:r>
+              <a:rPr lang="de-CH" altLang="de-DE" sz="4400" dirty="0" smtClean="0">
+                <a:solidFill>
+                  <a:srgbClr val="697D91"/>
+                </a:solidFill>
+                <a:latin typeface="+mj-lt"/>
+              </a:rPr>
+              <a:t>Resultat</a:t>
+            </a:r>
+          </a:p>
+          <a:p>
+            <a:pPr algn="just">
+              <a:buClr>
+                <a:srgbClr val="FAA500"/>
+              </a:buClr>
+              <a:buSzPct val="80000"/>
+              <a:defRPr/>
+            </a:pPr>
+            <a:endParaRPr lang="de-CH" altLang="de-DE" sz="3200" dirty="0" smtClean="0">
+              <a:solidFill>
+                <a:srgbClr val="697D91"/>
+              </a:solidFill>
+              <a:latin typeface="Lucida Sans" pitchFamily="34" charset="0"/>
+            </a:endParaRPr>
+          </a:p>
+          <a:p>
+            <a:pPr algn="just">
+              <a:buClr>
+                <a:srgbClr val="FAA500"/>
+              </a:buClr>
+              <a:buSzPct val="80000"/>
+              <a:defRPr/>
+            </a:pPr>
+            <a:r>
+              <a:rPr lang="de-CH" altLang="de-DE" sz="3200" dirty="0" smtClean="0">
+                <a:latin typeface="Lucida Sans" pitchFamily="34" charset="0"/>
+              </a:rPr>
+              <a:t>Das Endprodukt, das nach etlichen Abstürzen und Performance-</a:t>
+            </a:r>
+            <a:r>
+              <a:rPr lang="de-CH" altLang="de-DE" sz="3200" dirty="0" err="1" smtClean="0">
+                <a:latin typeface="Lucida Sans" pitchFamily="34" charset="0"/>
+              </a:rPr>
+              <a:t>Breakdowns</a:t>
+            </a:r>
+            <a:r>
+              <a:rPr lang="de-CH" altLang="de-DE" sz="3200" dirty="0" smtClean="0">
+                <a:latin typeface="Lucida Sans" pitchFamily="34" charset="0"/>
+              </a:rPr>
+              <a:t> entstand, ist vielversprechend. Leider verhindert die instabile Handerkennung eine wirklich angenehme Bedienung, aber es zeigt sich nichtsdestotrotz, dass diese Art von Applikation gut funktionieren kann, sobald bessere Peripherie </a:t>
+            </a:r>
+            <a:r>
+              <a:rPr lang="de-CH" altLang="de-DE" sz="3200" smtClean="0">
+                <a:latin typeface="Lucida Sans" pitchFamily="34" charset="0"/>
+              </a:rPr>
+              <a:t>erhältlich ist </a:t>
+            </a:r>
+            <a:r>
+              <a:rPr lang="de-CH" altLang="de-DE" sz="3200" dirty="0" smtClean="0">
+                <a:latin typeface="Lucida Sans" pitchFamily="34" charset="0"/>
+              </a:rPr>
+              <a:t>– und das wird dank der zunehmenden Konkurrenz auf dem Markt bald der Fall sein.</a:t>
+            </a:r>
+            <a:endParaRPr lang="de-CH" altLang="de-DE" sz="3200" dirty="0">
+              <a:latin typeface="Lucida Sans" pitchFamily="34" charset="0"/>
+            </a:endParaRPr>
+          </a:p>
+        </p:txBody>
+      </p:sp>
     </p:spTree>
     <p:extLst>
       <p:ext uri="{BB962C8B-B14F-4D97-AF65-F5344CB8AC3E}">

--- a/doc/Plakat/plakat.pptx
+++ b/doc/Plakat/plakat.pptx
@@ -942,7 +942,7 @@
         </p:blipFill>
         <p:spPr bwMode="auto">
           <a:xfrm>
-            <a:off x="685327" y="9545288"/>
+            <a:off x="685327" y="8560403"/>
             <a:ext cx="9557518" cy="6669818"/>
           </a:xfrm>
           <a:prstGeom prst="rect">
@@ -1695,8 +1695,8 @@
         </p:nvSpPr>
         <p:spPr>
           <a:xfrm>
-            <a:off x="1116980" y="10002488"/>
-            <a:ext cx="18820125" cy="7663636"/>
+            <a:off x="898776" y="13815077"/>
+            <a:ext cx="8845847" cy="3908762"/>
           </a:xfrm>
           <a:prstGeom prst="rect">
             <a:avLst/>
@@ -1723,7 +1723,16 @@
                 </a:solidFill>
                 <a:latin typeface="+mj-lt"/>
               </a:rPr>
-              <a:t>                                                  IMVR (Images &amp; Music in VR)</a:t>
+              <a:t>                                                  </a:t>
+            </a:r>
+            <a:r>
+              <a:rPr lang="de-CH" altLang="de-DE" sz="4400" dirty="0" smtClean="0">
+                <a:solidFill>
+                  <a:srgbClr val="697D91"/>
+                </a:solidFill>
+                <a:latin typeface="+mj-lt"/>
+              </a:rPr>
+              <a:t>Die Applikation: IMVR</a:t>
             </a:r>
             <a:endParaRPr lang="de-CH" altLang="de-DE" sz="4400" dirty="0" smtClean="0">
               <a:solidFill>
@@ -1740,7 +1749,7 @@
               <a:buSzPct val="80000"/>
               <a:defRPr/>
             </a:pPr>
-            <a:endParaRPr lang="de-CH" altLang="de-DE" sz="3200" dirty="0" smtClean="0">
+            <a:endParaRPr lang="de-CH" altLang="de-DE" sz="3200" dirty="0">
               <a:solidFill>
                 <a:srgbClr val="697D91"/>
               </a:solidFill>
@@ -1759,175 +1768,31 @@
               <a:rPr lang="de-CH" altLang="de-DE" sz="3200" dirty="0" smtClean="0">
                 <a:latin typeface="Lucida Sans" pitchFamily="34" charset="0"/>
               </a:rPr>
-              <a:t>                                                                     Die Applikation, die im Rahmen </a:t>
+              <a:t>Die entwickelte Applikation setzt </a:t>
             </a:r>
             <a:r>
               <a:rPr lang="de-CH" altLang="de-DE" sz="3200" dirty="0">
                 <a:latin typeface="Lucida Sans" pitchFamily="34" charset="0"/>
               </a:rPr>
-              <a:t>dieser Bachelor-   </a:t>
+              <a:t>es sich zum Ziel, die Musiksammlung des Anwenders </a:t>
             </a:r>
             <a:r>
               <a:rPr lang="de-CH" altLang="de-DE" sz="3200" dirty="0" smtClean="0">
                 <a:latin typeface="Lucida Sans" pitchFamily="34" charset="0"/>
               </a:rPr>
-              <a:t/>
-            </a:r>
-            <a:br>
+              <a:t>zu </a:t>
+            </a:r>
+            <a:r>
+              <a:rPr lang="de-CH" altLang="de-DE" sz="3200" dirty="0">
+                <a:latin typeface="Lucida Sans" pitchFamily="34" charset="0"/>
+              </a:rPr>
+              <a:t>indexieren und daraufhin </a:t>
+            </a:r>
+            <a:r>
               <a:rPr lang="de-CH" altLang="de-DE" sz="3200" dirty="0" smtClean="0">
                 <a:latin typeface="Lucida Sans" pitchFamily="34" charset="0"/>
               </a:rPr>
-            </a:br>
-            <a:r>
-              <a:rPr lang="de-CH" altLang="de-DE" sz="3200" dirty="0" smtClean="0">
-                <a:latin typeface="Lucida Sans" pitchFamily="34" charset="0"/>
-              </a:rPr>
-              <a:t>                                                                      Arbeit </a:t>
-            </a:r>
-            <a:r>
-              <a:rPr lang="de-CH" altLang="de-DE" sz="3200" dirty="0" smtClean="0">
-                <a:latin typeface="Lucida Sans" pitchFamily="34" charset="0"/>
-              </a:rPr>
-              <a:t>entwickelt wurde, setzt es sich zum Ziel</a:t>
-            </a:r>
-            <a:r>
-              <a:rPr lang="de-CH" altLang="de-DE" sz="3200" dirty="0">
-                <a:latin typeface="Lucida Sans" pitchFamily="34" charset="0"/>
-              </a:rPr>
-              <a:t>,  </a:t>
-            </a:r>
-            <a:br>
-              <a:rPr lang="de-CH" altLang="de-DE" sz="3200" dirty="0">
-                <a:latin typeface="Lucida Sans" pitchFamily="34" charset="0"/>
-              </a:rPr>
-            </a:br>
-            <a:r>
-              <a:rPr lang="de-CH" altLang="de-DE" sz="3200" dirty="0">
-                <a:latin typeface="Lucida Sans" pitchFamily="34" charset="0"/>
-              </a:rPr>
-              <a:t> </a:t>
-            </a:r>
-            <a:r>
-              <a:rPr lang="de-CH" altLang="de-DE" sz="3200" dirty="0" smtClean="0">
-                <a:latin typeface="Lucida Sans" pitchFamily="34" charset="0"/>
-              </a:rPr>
-              <a:t>                                                                     die </a:t>
-            </a:r>
-            <a:r>
-              <a:rPr lang="de-CH" altLang="de-DE" sz="3200" dirty="0" smtClean="0">
-                <a:latin typeface="Lucida Sans" pitchFamily="34" charset="0"/>
-              </a:rPr>
-              <a:t>Musiksammlung des Anwenders zu </a:t>
-            </a:r>
-            <a:br>
-              <a:rPr lang="de-CH" altLang="de-DE" sz="3200" dirty="0" smtClean="0">
-                <a:latin typeface="Lucida Sans" pitchFamily="34" charset="0"/>
-              </a:rPr>
-            </a:br>
-            <a:r>
-              <a:rPr lang="de-CH" altLang="de-DE" sz="3200" dirty="0" smtClean="0">
-                <a:latin typeface="Lucida Sans" pitchFamily="34" charset="0"/>
-              </a:rPr>
-              <a:t>                                                                      indexieren und daraufhin in einer virtuellen Welt </a:t>
-            </a:r>
-            <a:br>
-              <a:rPr lang="de-CH" altLang="de-DE" sz="3200" dirty="0" smtClean="0">
-                <a:latin typeface="Lucida Sans" pitchFamily="34" charset="0"/>
-              </a:rPr>
-            </a:br>
-            <a:r>
-              <a:rPr lang="de-CH" altLang="de-DE" sz="3200" dirty="0" smtClean="0">
-                <a:latin typeface="Lucida Sans" pitchFamily="34" charset="0"/>
-              </a:rPr>
-              <a:t>                                                                      verfügbar zu machen. </a:t>
-            </a:r>
-            <a:r>
-              <a:rPr lang="de-CH" altLang="de-DE" sz="3200" dirty="0" smtClean="0">
-                <a:latin typeface="Lucida Sans" pitchFamily="34" charset="0"/>
-              </a:rPr>
-              <a:t>Um das Erlebnis  </a:t>
-            </a:r>
-            <a:br>
-              <a:rPr lang="de-CH" altLang="de-DE" sz="3200" dirty="0" smtClean="0">
-                <a:latin typeface="Lucida Sans" pitchFamily="34" charset="0"/>
-              </a:rPr>
-            </a:br>
-            <a:r>
-              <a:rPr lang="de-CH" altLang="de-DE" sz="3200" dirty="0" smtClean="0">
-                <a:latin typeface="Lucida Sans" pitchFamily="34" charset="0"/>
-              </a:rPr>
-              <a:t>                                                                      dynamischer zu gestalten, werden die </a:t>
-            </a:r>
-            <a:br>
-              <a:rPr lang="de-CH" altLang="de-DE" sz="3200" dirty="0" smtClean="0">
-                <a:latin typeface="Lucida Sans" pitchFamily="34" charset="0"/>
-              </a:rPr>
-            </a:br>
-            <a:r>
-              <a:rPr lang="de-CH" altLang="de-DE" sz="3200" dirty="0" smtClean="0">
-                <a:latin typeface="Lucida Sans" pitchFamily="34" charset="0"/>
-              </a:rPr>
-              <a:t>                                                                    Musikdateien mit diversen Quellen aus dem </a:t>
-            </a:r>
-            <a:br>
-              <a:rPr lang="de-CH" altLang="de-DE" sz="3200" dirty="0" smtClean="0">
-                <a:latin typeface="Lucida Sans" pitchFamily="34" charset="0"/>
-              </a:rPr>
-            </a:br>
-            <a:r>
-              <a:rPr lang="de-CH" altLang="de-DE" sz="3200" dirty="0" smtClean="0">
-                <a:latin typeface="Lucida Sans" pitchFamily="34" charset="0"/>
-              </a:rPr>
-              <a:t>                                                                 Internet verglichen, mit Album-Covers ergänzt </a:t>
-            </a:r>
-            <a:br>
-              <a:rPr lang="de-CH" altLang="de-DE" sz="3200" dirty="0" smtClean="0">
-                <a:latin typeface="Lucida Sans" pitchFamily="34" charset="0"/>
-              </a:rPr>
-            </a:br>
-            <a:r>
-              <a:rPr lang="de-CH" altLang="de-DE" sz="3200" dirty="0" smtClean="0">
-                <a:latin typeface="Lucida Sans" pitchFamily="34" charset="0"/>
-              </a:rPr>
-              <a:t>                                                             und in verschiedenen Disziplinen wie «Stärke», </a:t>
-            </a:r>
-            <a:br>
-              <a:rPr lang="de-CH" altLang="de-DE" sz="3200" dirty="0" smtClean="0">
-                <a:latin typeface="Lucida Sans" pitchFamily="34" charset="0"/>
-              </a:rPr>
-            </a:br>
-            <a:r>
-              <a:rPr lang="de-CH" altLang="de-DE" sz="3200" dirty="0" smtClean="0">
-                <a:latin typeface="Lucida Sans" pitchFamily="34" charset="0"/>
-              </a:rPr>
-              <a:t>                                                          «Tanzbarkeit» und «Stimmung» bewertet. </a:t>
-            </a:r>
-          </a:p>
-          <a:p>
-            <a:pPr algn="just">
-              <a:buClr>
-                <a:srgbClr val="FAA500"/>
-              </a:buClr>
-              <a:buSzPct val="80000"/>
-              <a:defRPr/>
-            </a:pPr>
-            <a:r>
-              <a:rPr lang="de-CH" altLang="de-DE" sz="3200" dirty="0" smtClean="0">
-                <a:latin typeface="Lucida Sans" pitchFamily="34" charset="0"/>
-              </a:rPr>
-              <a:t>Um alle Barrieren zwischen dem Zuhörer und seiner Musik zu vernichten, wird das Headset mit einem Handsensor bestückt</a:t>
-            </a:r>
-            <a:r>
-              <a:rPr lang="de-CH" altLang="de-DE" sz="3200" dirty="0">
-                <a:latin typeface="Lucida Sans" pitchFamily="34" charset="0"/>
-              </a:rPr>
-              <a:t>, damit der Anwender freihändig mit der Applikation interagieren kann</a:t>
-            </a:r>
-            <a:r>
-              <a:rPr lang="de-CH" altLang="de-DE" sz="3200" dirty="0" smtClean="0">
-                <a:latin typeface="Lucida Sans" pitchFamily="34" charset="0"/>
-              </a:rPr>
-              <a:t>.</a:t>
+              <a:t>in einer virtuellen Welt verfügbar zu machen.</a:t>
             </a:r>
             <a:endParaRPr lang="de-CH" altLang="de-DE" sz="3200" dirty="0">
               <a:latin typeface="Lucida Sans" pitchFamily="34" charset="0"/>
@@ -1958,8 +1823,8 @@
         </p:blipFill>
         <p:spPr bwMode="auto">
           <a:xfrm>
-            <a:off x="10668736" y="953917"/>
-            <a:ext cx="8547254" cy="7743357"/>
+            <a:off x="21590258" y="11209142"/>
+            <a:ext cx="6911792" cy="6261715"/>
           </a:xfrm>
           <a:prstGeom prst="rect">
             <a:avLst/>
@@ -1978,14 +1843,14 @@
       </p:pic>
       <p:sp>
         <p:nvSpPr>
-          <p:cNvPr id="12" name="Textfeld 11"/>
+          <p:cNvPr id="13" name="Textfeld 12"/>
           <p:cNvSpPr txBox="1"/>
           <p:nvPr/>
         </p:nvSpPr>
         <p:spPr>
           <a:xfrm>
-            <a:off x="20493032" y="896767"/>
-            <a:ext cx="8845847" cy="7663636"/>
+            <a:off x="20623231" y="4096155"/>
+            <a:ext cx="8845847" cy="6678751"/>
           </a:xfrm>
           <a:prstGeom prst="rect">
             <a:avLst/>
@@ -2012,7 +1877,7 @@
                 </a:solidFill>
                 <a:latin typeface="+mj-lt"/>
               </a:rPr>
-              <a:t>Umsetzung</a:t>
+              <a:t>Resultat</a:t>
             </a:r>
           </a:p>
           <a:p>
@@ -2042,82 +1907,19 @@
               <a:rPr lang="de-CH" altLang="de-DE" sz="3200" dirty="0" smtClean="0">
                 <a:latin typeface="Lucida Sans" pitchFamily="34" charset="0"/>
               </a:rPr>
-              <a:t>Da eine </a:t>
+              <a:t>Das Endprodukt, das nach etlichen Abstürzen und Performance-</a:t>
             </a:r>
             <a:r>
               <a:rPr lang="de-CH" altLang="de-DE" sz="3200" dirty="0" err="1" smtClean="0">
                 <a:latin typeface="Lucida Sans" pitchFamily="34" charset="0"/>
               </a:rPr>
-              <a:t>low</a:t>
+              <a:t>Breakdowns</a:t>
             </a:r>
             <a:r>
               <a:rPr lang="de-CH" altLang="de-DE" sz="3200" dirty="0" smtClean="0">
                 <a:latin typeface="Lucida Sans" pitchFamily="34" charset="0"/>
               </a:rPr>
-              <a:t>-level Umsetzung technisch und zeitlich ausserhalb des Scopes lag, wurde für diese Arbeit die Spiel-Engine </a:t>
-            </a:r>
-            <a:r>
-              <a:rPr lang="de-CH" altLang="de-DE" sz="3200" dirty="0" err="1" smtClean="0">
-                <a:latin typeface="Lucida Sans" pitchFamily="34" charset="0"/>
-              </a:rPr>
-              <a:t>Unity</a:t>
-            </a:r>
-            <a:r>
-              <a:rPr lang="de-CH" altLang="de-DE" sz="3200" dirty="0" smtClean="0">
-                <a:latin typeface="Lucida Sans" pitchFamily="34" charset="0"/>
-              </a:rPr>
-              <a:t> angewandt. Es existieren </a:t>
-            </a:r>
-            <a:r>
-              <a:rPr lang="de-CH" altLang="de-DE" sz="3200" dirty="0" err="1" smtClean="0">
-                <a:latin typeface="Lucida Sans" pitchFamily="34" charset="0"/>
-              </a:rPr>
-              <a:t>Plugins</a:t>
-            </a:r>
-            <a:r>
-              <a:rPr lang="de-CH" altLang="de-DE" sz="3200" dirty="0" smtClean="0">
-                <a:latin typeface="Lucida Sans" pitchFamily="34" charset="0"/>
-              </a:rPr>
-              <a:t> für die </a:t>
-            </a:r>
-            <a:r>
-              <a:rPr lang="de-CH" altLang="de-DE" sz="3200" dirty="0" err="1" smtClean="0">
-                <a:latin typeface="Lucida Sans" pitchFamily="34" charset="0"/>
-              </a:rPr>
-              <a:t>Oculus</a:t>
-            </a:r>
-            <a:r>
-              <a:rPr lang="de-CH" altLang="de-DE" sz="3200" dirty="0" smtClean="0">
-                <a:latin typeface="Lucida Sans" pitchFamily="34" charset="0"/>
-              </a:rPr>
-              <a:t> Rift und die </a:t>
-            </a:r>
-            <a:r>
-              <a:rPr lang="de-CH" altLang="de-DE" sz="3200" dirty="0" err="1" smtClean="0">
-                <a:latin typeface="Lucida Sans" pitchFamily="34" charset="0"/>
-              </a:rPr>
-              <a:t>Leap</a:t>
-            </a:r>
-            <a:r>
-              <a:rPr lang="de-CH" altLang="de-DE" sz="3200" dirty="0" smtClean="0">
-                <a:latin typeface="Lucida Sans" pitchFamily="34" charset="0"/>
-              </a:rPr>
-              <a:t> Motion, welche an offizieller Stelle entwickelt und vertrieben werden, welche die Einbindung stark vereinfachen.</a:t>
-            </a:r>
-          </a:p>
-          <a:p>
-            <a:pPr algn="just">
-              <a:buClr>
-                <a:srgbClr val="FAA500"/>
-              </a:buClr>
-              <a:buSzPct val="80000"/>
-              <a:defRPr/>
-            </a:pPr>
-            <a:r>
-              <a:rPr lang="de-CH" altLang="de-DE" sz="3200" dirty="0" smtClean="0">
-                <a:latin typeface="Lucida Sans" pitchFamily="34" charset="0"/>
-              </a:rPr>
-              <a:t>Damit keine Zeit beim Erstellen von 3D-Grafiken verloren geht, wurde ein abstrakter Stil für die Applikation gewählt, der auf Geometrien aufbaut, die teilweise auf die Musik reagieren.</a:t>
+              <a:t> entstand, ist vielversprechend. Leider verhindert die instabile Handerkennung eine wirklich angenehme Bedienung, aber es zeigt sich nichtsdestotrotz, dass diese Art von Applikation gut funktionieren kann, sobald bessere Peripherie erhältlich ist – und das wird dank der zunehmenden Konkurrenz auf dem Markt bald der Fall sein.</a:t>
             </a:r>
             <a:endParaRPr lang="de-CH" altLang="de-DE" sz="3200" dirty="0">
               <a:latin typeface="Lucida Sans" pitchFamily="34" charset="0"/>
@@ -2125,16 +1927,44 @@
           </a:p>
         </p:txBody>
       </p:sp>
+      <p:pic>
+        <p:nvPicPr>
+          <p:cNvPr id="11" name="Grafik 10"/>
+          <p:cNvPicPr/>
+          <p:nvPr/>
+        </p:nvPicPr>
+        <p:blipFill>
+          <a:blip r:embed="rId4">
+            <a:extLst>
+              <a:ext uri="{28A0092B-C50C-407E-A947-70E740481C1C}">
+                <a14:useLocalDpi xmlns:a14="http://schemas.microsoft.com/office/drawing/2010/main" val="0"/>
+              </a:ext>
+            </a:extLst>
+          </a:blip>
+          <a:stretch>
+            <a:fillRect/>
+          </a:stretch>
+        </p:blipFill>
+        <p:spPr>
+          <a:xfrm>
+            <a:off x="10515661" y="4519183"/>
+            <a:ext cx="9354671" cy="5262002"/>
+          </a:xfrm>
+          <a:prstGeom prst="rect">
+            <a:avLst/>
+          </a:prstGeom>
+        </p:spPr>
+      </p:pic>
       <p:sp>
         <p:nvSpPr>
-          <p:cNvPr id="13" name="Textfeld 12"/>
+          <p:cNvPr id="14" name="Textfeld 13"/>
           <p:cNvSpPr txBox="1"/>
           <p:nvPr/>
         </p:nvSpPr>
         <p:spPr>
           <a:xfrm>
-            <a:off x="20493032" y="9048379"/>
-            <a:ext cx="8845847" cy="6678751"/>
+            <a:off x="10770074" y="1049167"/>
+            <a:ext cx="8845847" cy="3046988"/>
           </a:xfrm>
           <a:prstGeom prst="rect">
             <a:avLst/>
@@ -2155,13 +1985,104 @@
               <a:defRPr/>
             </a:pPr>
             <a:r>
+              <a:rPr lang="de-CH" altLang="de-DE" sz="3200" dirty="0" smtClean="0">
+                <a:latin typeface="Lucida Sans" pitchFamily="34" charset="0"/>
+              </a:rPr>
+              <a:t>Um </a:t>
+            </a:r>
+            <a:r>
+              <a:rPr lang="de-CH" altLang="de-DE" sz="3200" dirty="0">
+                <a:latin typeface="Lucida Sans" pitchFamily="34" charset="0"/>
+              </a:rPr>
+              <a:t>das Erlebnis dynamischer zu gestalten, werden die Musikdateien mit diversen Quellen aus dem Internet verglichen, mit Album-Covers ergänzt und in verschiedenen Disziplinen wie «Stärke», «Tanzbarkeit» und «Stimmung» bewertet. </a:t>
+            </a:r>
+          </a:p>
+        </p:txBody>
+      </p:sp>
+      <p:sp>
+        <p:nvSpPr>
+          <p:cNvPr id="15" name="Textfeld 14"/>
+          <p:cNvSpPr txBox="1"/>
+          <p:nvPr/>
+        </p:nvSpPr>
+        <p:spPr>
+          <a:xfrm>
+            <a:off x="10641742" y="9949491"/>
+            <a:ext cx="8845847" cy="2062103"/>
+          </a:xfrm>
+          <a:prstGeom prst="rect">
+            <a:avLst/>
+          </a:prstGeom>
+          <a:noFill/>
+        </p:spPr>
+        <p:txBody>
+          <a:bodyPr wrap="square" rtlCol="0">
+            <a:spAutoFit/>
+          </a:bodyPr>
+          <a:lstStyle/>
+          <a:p>
+            <a:pPr algn="just">
+              <a:buClr>
+                <a:srgbClr val="FAA500"/>
+              </a:buClr>
+              <a:buSzPct val="80000"/>
+              <a:defRPr/>
+            </a:pPr>
+            <a:r>
+              <a:rPr lang="de-CH" altLang="de-DE" sz="3200" dirty="0">
+                <a:latin typeface="Lucida Sans" pitchFamily="34" charset="0"/>
+              </a:rPr>
+              <a:t>Um alle Barrieren zwischen dem Zuhörer und seiner Musik zu vernichten, </a:t>
+            </a:r>
+            <a:r>
+              <a:rPr lang="de-CH" altLang="de-DE" sz="3200" dirty="0" smtClean="0">
+                <a:latin typeface="Lucida Sans" pitchFamily="34" charset="0"/>
+              </a:rPr>
+              <a:t>interagiert der Anwender direkt mit seinen Händen mit dem Interface.</a:t>
+            </a:r>
+            <a:endParaRPr lang="de-CH" altLang="de-DE" sz="3200" dirty="0">
+              <a:latin typeface="Lucida Sans" pitchFamily="34" charset="0"/>
+            </a:endParaRPr>
+          </a:p>
+        </p:txBody>
+      </p:sp>
+      <p:sp>
+        <p:nvSpPr>
+          <p:cNvPr id="16" name="Textfeld 15"/>
+          <p:cNvSpPr txBox="1"/>
+          <p:nvPr/>
+        </p:nvSpPr>
+        <p:spPr>
+          <a:xfrm>
+            <a:off x="10641742" y="12252329"/>
+            <a:ext cx="8845847" cy="5693866"/>
+          </a:xfrm>
+          <a:prstGeom prst="rect">
+            <a:avLst/>
+          </a:prstGeom>
+          <a:noFill/>
+        </p:spPr>
+        <p:txBody>
+          <a:bodyPr wrap="square" rtlCol="0">
+            <a:spAutoFit/>
+          </a:bodyPr>
+          <a:lstStyle/>
+          <a:p>
+            <a:pPr algn="just">
+              <a:buClr>
+                <a:srgbClr val="FAA500"/>
+              </a:buClr>
+              <a:buSzPct val="80000"/>
+              <a:defRPr/>
+            </a:pPr>
+            <a:r>
               <a:rPr lang="de-CH" altLang="de-DE" sz="4400" dirty="0" smtClean="0">
                 <a:solidFill>
                   <a:srgbClr val="697D91"/>
                 </a:solidFill>
                 <a:latin typeface="+mj-lt"/>
               </a:rPr>
-              <a:t>Resultat</a:t>
+              <a:t>Umsetzung</a:t>
             </a:r>
           </a:p>
           <a:p>
@@ -2191,31 +2112,123 @@
               <a:rPr lang="de-CH" altLang="de-DE" sz="3200" dirty="0" smtClean="0">
                 <a:latin typeface="Lucida Sans" pitchFamily="34" charset="0"/>
               </a:rPr>
-              <a:t>Das Endprodukt, das nach etlichen Abstürzen und Performance-</a:t>
+              <a:t>Da eine </a:t>
             </a:r>
             <a:r>
               <a:rPr lang="de-CH" altLang="de-DE" sz="3200" dirty="0" err="1" smtClean="0">
                 <a:latin typeface="Lucida Sans" pitchFamily="34" charset="0"/>
               </a:rPr>
-              <a:t>Breakdowns</a:t>
+              <a:t>low</a:t>
             </a:r>
             <a:r>
               <a:rPr lang="de-CH" altLang="de-DE" sz="3200" dirty="0" smtClean="0">
                 <a:latin typeface="Lucida Sans" pitchFamily="34" charset="0"/>
               </a:rPr>
-              <a:t> entstand, ist vielversprechend. Leider verhindert die instabile Handerkennung eine wirklich angenehme Bedienung, aber es zeigt sich nichtsdestotrotz, dass diese Art von Applikation gut funktionieren kann, sobald bessere Peripherie </a:t>
-            </a:r>
-            <a:r>
-              <a:rPr lang="de-CH" altLang="de-DE" sz="3200" smtClean="0">
-                <a:latin typeface="Lucida Sans" pitchFamily="34" charset="0"/>
-              </a:rPr>
-              <a:t>erhältlich ist </a:t>
+              <a:t>-level Umsetzung technisch und zeitlich ausserhalb des Scopes lag, wurde für diese Arbeit die Spiel-Engine </a:t>
+            </a:r>
+            <a:r>
+              <a:rPr lang="de-CH" altLang="de-DE" sz="3200" dirty="0" err="1" smtClean="0">
+                <a:latin typeface="Lucida Sans" pitchFamily="34" charset="0"/>
+              </a:rPr>
+              <a:t>Unity</a:t>
             </a:r>
             <a:r>
               <a:rPr lang="de-CH" altLang="de-DE" sz="3200" dirty="0" smtClean="0">
                 <a:latin typeface="Lucida Sans" pitchFamily="34" charset="0"/>
               </a:rPr>
-              <a:t>– und das wird dank der zunehmenden Konkurrenz auf dem Markt bald der Fall sein.</a:t>
+              <a:t> angewandt. Es existieren </a:t>
+            </a:r>
+            <a:r>
+              <a:rPr lang="de-CH" altLang="de-DE" sz="3200" dirty="0" err="1" smtClean="0">
+                <a:latin typeface="Lucida Sans" pitchFamily="34" charset="0"/>
+              </a:rPr>
+              <a:t>Plugins</a:t>
+            </a:r>
+            <a:r>
+              <a:rPr lang="de-CH" altLang="de-DE" sz="3200" dirty="0" smtClean="0">
+                <a:latin typeface="Lucida Sans" pitchFamily="34" charset="0"/>
+              </a:rPr>
+              <a:t> für die </a:t>
+            </a:r>
+            <a:r>
+              <a:rPr lang="de-CH" altLang="de-DE" sz="3200" dirty="0" err="1" smtClean="0">
+                <a:latin typeface="Lucida Sans" pitchFamily="34" charset="0"/>
+              </a:rPr>
+              <a:t>Oculus</a:t>
+            </a:r>
+            <a:r>
+              <a:rPr lang="de-CH" altLang="de-DE" sz="3200" dirty="0" smtClean="0">
+                <a:latin typeface="Lucida Sans" pitchFamily="34" charset="0"/>
+              </a:rPr>
+              <a:t> Rift und die </a:t>
+            </a:r>
+            <a:r>
+              <a:rPr lang="de-CH" altLang="de-DE" sz="3200" dirty="0" err="1" smtClean="0">
+                <a:latin typeface="Lucida Sans" pitchFamily="34" charset="0"/>
+              </a:rPr>
+              <a:t>Leap</a:t>
+            </a:r>
+            <a:r>
+              <a:rPr lang="de-CH" altLang="de-DE" sz="3200" dirty="0" smtClean="0">
+                <a:latin typeface="Lucida Sans" pitchFamily="34" charset="0"/>
+              </a:rPr>
+              <a:t> Motion, welche an offizieller Stelle entwickelt und </a:t>
+            </a:r>
+            <a:r>
+              <a:rPr lang="de-CH" altLang="de-DE" sz="3200" dirty="0">
+                <a:latin typeface="Lucida Sans" pitchFamily="34" charset="0"/>
+              </a:rPr>
+              <a:t>vertrieben werden, welche die Einbindung stark vereinfachen.</a:t>
+            </a:r>
+          </a:p>
+          <a:p>
+            <a:pPr algn="just">
+              <a:buClr>
+                <a:srgbClr val="FAA500"/>
+              </a:buClr>
+              <a:buSzPct val="80000"/>
+              <a:defRPr/>
+            </a:pPr>
+            <a:endParaRPr lang="de-CH" altLang="de-DE" sz="3200" dirty="0" smtClean="0">
+              <a:latin typeface="Lucida Sans" pitchFamily="34" charset="0"/>
+            </a:endParaRPr>
+          </a:p>
+        </p:txBody>
+      </p:sp>
+      <p:sp>
+        <p:nvSpPr>
+          <p:cNvPr id="17" name="Textfeld 16"/>
+          <p:cNvSpPr txBox="1"/>
+          <p:nvPr/>
+        </p:nvSpPr>
+        <p:spPr>
+          <a:xfrm>
+            <a:off x="20623231" y="901100"/>
+            <a:ext cx="8845847" cy="2554545"/>
+          </a:xfrm>
+          <a:prstGeom prst="rect">
+            <a:avLst/>
+          </a:prstGeom>
+          <a:noFill/>
+        </p:spPr>
+        <p:txBody>
+          <a:bodyPr wrap="square" rtlCol="0">
+            <a:spAutoFit/>
+          </a:bodyPr>
+          <a:lstStyle/>
+          <a:p>
+            <a:pPr algn="just">
+              <a:buClr>
+                <a:srgbClr val="FAA500"/>
+              </a:buClr>
+              <a:buSzPct val="80000"/>
+              <a:defRPr/>
+            </a:pPr>
+            <a:r>
+              <a:rPr lang="de-CH" altLang="de-DE" sz="3200" dirty="0" smtClean="0">
+                <a:latin typeface="Lucida Sans" pitchFamily="34" charset="0"/>
+              </a:rPr>
+              <a:t>Designtechnisch werden hauptsächlich geometrische Objekte verwendet, damit keine Zeit zum Erstellen von 3D-Grafiken verloren geht. Diese reagieren teilweise zu Beats, Peaks und Wellen in der Musik.</a:t>
             </a:r>
             <a:endParaRPr lang="de-CH" altLang="de-DE" sz="3200" dirty="0">
               <a:latin typeface="Lucida Sans" pitchFamily="34" charset="0"/>
@@ -2504,12 +2517,7 @@
 </file>
 
 <file path=customXml/item1.xml><?xml version="1.0" encoding="utf-8"?>
-<?mso-contentType ?>
-<FormTemplates xmlns="http://schemas.microsoft.com/sharepoint/v3/contenttype/forms">
-  <Display>DocumentLibraryForm</Display>
-  <Edit>DocumentLibraryForm</Edit>
-  <New>DocumentLibraryForm</New>
-</FormTemplates>
+<LongProperties xmlns="http://schemas.microsoft.com/office/2006/metadata/longProperties"/>
 </file>
 
 <file path=customXml/item2.xml><?xml version="1.0" encoding="utf-8"?>
@@ -2658,7 +2666,12 @@
 </file>
 
 <file path=customXml/item3.xml><?xml version="1.0" encoding="utf-8"?>
-<LongProperties xmlns="http://schemas.microsoft.com/office/2006/metadata/longProperties"/>
+<?mso-contentType ?>
+<FormTemplates xmlns="http://schemas.microsoft.com/sharepoint/v3/contenttype/forms">
+  <Display>DocumentLibraryForm</Display>
+  <Edit>DocumentLibraryForm</Edit>
+  <New>DocumentLibraryForm</New>
+</FormTemplates>
 </file>
 
 <file path=customXml/item4.xml><?xml version="1.0" encoding="utf-8"?>
@@ -2680,9 +2693,9 @@
 </file>
 
 <file path=customXml/itemProps1.xml><?xml version="1.0" encoding="utf-8"?>
-<ds:datastoreItem xmlns:ds="http://schemas.openxmlformats.org/officeDocument/2006/customXml" ds:itemID="{47870AFC-B140-4E73-B0E2-054A74E7EB25}">
+<ds:datastoreItem xmlns:ds="http://schemas.openxmlformats.org/officeDocument/2006/customXml" ds:itemID="{34ACECAE-8DDC-4218-ADDE-80828E100BF5}">
   <ds:schemaRefs>
-    <ds:schemaRef ds:uri="http://schemas.microsoft.com/sharepoint/v3/contenttype/forms"/>
+    <ds:schemaRef ds:uri="http://schemas.microsoft.com/office/2006/metadata/longProperties"/>
   </ds:schemaRefs>
 </ds:datastoreItem>
 </file>
@@ -2707,9 +2720,9 @@
 </file>
 
 <file path=customXml/itemProps3.xml><?xml version="1.0" encoding="utf-8"?>
-<ds:datastoreItem xmlns:ds="http://schemas.openxmlformats.org/officeDocument/2006/customXml" ds:itemID="{34ACECAE-8DDC-4218-ADDE-80828E100BF5}">
+<ds:datastoreItem xmlns:ds="http://schemas.openxmlformats.org/officeDocument/2006/customXml" ds:itemID="{47870AFC-B140-4E73-B0E2-054A74E7EB25}">
   <ds:schemaRefs>
-    <ds:schemaRef ds:uri="http://schemas.microsoft.com/office/2006/metadata/longProperties"/>
+    <ds:schemaRef ds:uri="http://schemas.microsoft.com/sharepoint/v3/contenttype/forms"/>
   </ds:schemaRefs>
 </ds:datastoreItem>
 </file>

--- a/doc/Plakat/plakat.pptx
+++ b/doc/Plakat/plakat.pptx
@@ -1670,6 +1670,12 @@
               <a:t> Motion, gekoppelt, und damit eine </a:t>
             </a:r>
             <a:r>
+              <a:rPr lang="de-CH" altLang="de-DE" sz="3200" dirty="0" smtClean="0">
+                <a:latin typeface="Lucida Sans" pitchFamily="34" charset="0"/>
+              </a:rPr>
+              <a:t>stereoskopische, </a:t>
+            </a:r>
+            <a:r>
               <a:rPr lang="de-CH" altLang="de-DE" sz="3200" dirty="0" err="1" smtClean="0">
                 <a:latin typeface="Lucida Sans" pitchFamily="34" charset="0"/>
               </a:rPr>
@@ -1679,7 +1685,13 @@
               <a:rPr lang="de-CH" altLang="de-DE" sz="3200" dirty="0" smtClean="0">
                 <a:latin typeface="Lucida Sans" pitchFamily="34" charset="0"/>
               </a:rPr>
-              <a:t> Applikation entwickelt, in der man sich durch die eigene Musiksammlung navigieren kann – alles in einer virtuellen Welt.</a:t>
+              <a:t> </a:t>
+            </a:r>
+            <a:r>
+              <a:rPr lang="de-CH" altLang="de-DE" sz="3200" dirty="0" smtClean="0">
+                <a:latin typeface="Lucida Sans" pitchFamily="34" charset="0"/>
+              </a:rPr>
+              <a:t>Applikation entwickelt, in der man sich durch die eigene Musiksammlung navigieren kann – alles in einer virtuellen Welt.</a:t>
             </a:r>
             <a:endParaRPr lang="de-CH" altLang="de-DE" sz="3200" dirty="0">
               <a:latin typeface="Lucida Sans" pitchFamily="34" charset="0"/>
@@ -1723,23 +1735,8 @@
                 </a:solidFill>
                 <a:latin typeface="+mj-lt"/>
               </a:rPr>
-              <a:t>                                                  </a:t>
-            </a:r>
-            <a:r>
-              <a:rPr lang="de-CH" altLang="de-DE" sz="4400" dirty="0" smtClean="0">
-                <a:solidFill>
-                  <a:srgbClr val="697D91"/>
-                </a:solidFill>
-                <a:latin typeface="+mj-lt"/>
-              </a:rPr>
-              <a:t>Die Applikation: IMVR</a:t>
-            </a:r>
-            <a:endParaRPr lang="de-CH" altLang="de-DE" sz="4400" dirty="0" smtClean="0">
-              <a:solidFill>
-                <a:srgbClr val="697D91"/>
-              </a:solidFill>
-              <a:latin typeface="+mj-lt"/>
-            </a:endParaRPr>
+              <a:t>                                                  Die Applikation: IMVR</a:t>
+            </a:r>
           </a:p>
           <a:p>
             <a:pPr algn="just">
@@ -1850,7 +1847,7 @@
         <p:spPr>
           <a:xfrm>
             <a:off x="20623231" y="4096155"/>
-            <a:ext cx="8845847" cy="6678751"/>
+            <a:ext cx="8845847" cy="6186309"/>
           </a:xfrm>
           <a:prstGeom prst="rect">
             <a:avLst/>
@@ -1907,19 +1904,67 @@
               <a:rPr lang="de-CH" altLang="de-DE" sz="3200" dirty="0" smtClean="0">
                 <a:latin typeface="Lucida Sans" pitchFamily="34" charset="0"/>
               </a:rPr>
-              <a:t>Das Endprodukt, das nach etlichen Abstürzen und Performance-</a:t>
-            </a:r>
-            <a:r>
-              <a:rPr lang="de-CH" altLang="de-DE" sz="3200" dirty="0" err="1" smtClean="0">
-                <a:latin typeface="Lucida Sans" pitchFamily="34" charset="0"/>
-              </a:rPr>
-              <a:t>Breakdowns</a:t>
-            </a:r>
-            <a:r>
-              <a:rPr lang="de-CH" altLang="de-DE" sz="3200" dirty="0" smtClean="0">
-                <a:latin typeface="Lucida Sans" pitchFamily="34" charset="0"/>
-              </a:rPr>
-              <a:t> entstand, ist vielversprechend. Leider verhindert die instabile Handerkennung eine wirklich angenehme Bedienung, aber es zeigt sich nichtsdestotrotz, dass diese Art von Applikation gut funktionieren kann, sobald bessere Peripherie erhältlich ist – und das wird dank der zunehmenden Konkurrenz auf dem Markt bald der Fall sein.</a:t>
+              <a:t>Das Endprodukt, das </a:t>
+            </a:r>
+            <a:r>
+              <a:rPr lang="de-CH" altLang="de-DE" sz="3200" dirty="0" smtClean="0">
+                <a:latin typeface="Lucida Sans" pitchFamily="34" charset="0"/>
+              </a:rPr>
+              <a:t>mit viel Herumtüfteln und Experimentieren entstand, </a:t>
+            </a:r>
+            <a:r>
+              <a:rPr lang="de-CH" altLang="de-DE" sz="3200" dirty="0" smtClean="0">
+                <a:latin typeface="Lucida Sans" pitchFamily="34" charset="0"/>
+              </a:rPr>
+              <a:t>ist </a:t>
+            </a:r>
+            <a:r>
+              <a:rPr lang="de-CH" altLang="de-DE" sz="3200" dirty="0" smtClean="0">
+                <a:latin typeface="Lucida Sans" pitchFamily="34" charset="0"/>
+              </a:rPr>
+              <a:t>vielversprechend, doch </a:t>
+            </a:r>
+            <a:r>
+              <a:rPr lang="de-CH" altLang="de-DE" sz="3200" dirty="0">
+                <a:latin typeface="Lucida Sans" pitchFamily="34" charset="0"/>
+              </a:rPr>
+              <a:t>l</a:t>
+            </a:r>
+            <a:r>
+              <a:rPr lang="de-CH" altLang="de-DE" sz="3200" dirty="0" smtClean="0">
+                <a:latin typeface="Lucida Sans" pitchFamily="34" charset="0"/>
+              </a:rPr>
+              <a:t>eider </a:t>
+            </a:r>
+            <a:r>
+              <a:rPr lang="de-CH" altLang="de-DE" sz="3200" dirty="0" smtClean="0">
+                <a:latin typeface="Lucida Sans" pitchFamily="34" charset="0"/>
+              </a:rPr>
+              <a:t>verhindert die instabile Handerkennung eine wirklich angenehme </a:t>
+            </a:r>
+            <a:r>
+              <a:rPr lang="de-CH" altLang="de-DE" sz="3200" dirty="0" smtClean="0">
+                <a:latin typeface="Lucida Sans" pitchFamily="34" charset="0"/>
+              </a:rPr>
+              <a:t>Bedienung. Nichtsdestotrotz </a:t>
+            </a:r>
+            <a:r>
+              <a:rPr lang="de-CH" altLang="de-DE" sz="3200" dirty="0" smtClean="0">
+                <a:latin typeface="Lucida Sans" pitchFamily="34" charset="0"/>
+              </a:rPr>
+              <a:t>zeigt </a:t>
+            </a:r>
+            <a:r>
+              <a:rPr lang="de-CH" altLang="de-DE" sz="3200" dirty="0" smtClean="0">
+                <a:latin typeface="Lucida Sans" pitchFamily="34" charset="0"/>
+              </a:rPr>
+              <a:t>es sich, </a:t>
+            </a:r>
+            <a:r>
+              <a:rPr lang="de-CH" altLang="de-DE" sz="3200" dirty="0" smtClean="0">
+                <a:latin typeface="Lucida Sans" pitchFamily="34" charset="0"/>
+              </a:rPr>
+              <a:t>dass diese Art von Applikation gut funktionieren kann, sobald bessere Peripherie erhältlich ist – und das wird dank der zunehmenden Konkurrenz auf dem Markt bald der Fall sein.</a:t>
             </a:r>
             <a:endParaRPr lang="de-CH" altLang="de-DE" sz="3200" dirty="0">
               <a:latin typeface="Lucida Sans" pitchFamily="34" charset="0"/>
@@ -1963,8 +2008,8 @@
         </p:nvSpPr>
         <p:spPr>
           <a:xfrm>
-            <a:off x="10770074" y="1049167"/>
-            <a:ext cx="8845847" cy="3046988"/>
+            <a:off x="10515661" y="1049167"/>
+            <a:ext cx="9354671" cy="3046988"/>
           </a:xfrm>
           <a:prstGeom prst="rect">
             <a:avLst/>
@@ -2007,8 +2052,8 @@
         </p:nvSpPr>
         <p:spPr>
           <a:xfrm>
-            <a:off x="10641742" y="9949491"/>
-            <a:ext cx="8845847" cy="2062103"/>
+            <a:off x="10515661" y="9949491"/>
+            <a:ext cx="9354671" cy="2062103"/>
           </a:xfrm>
           <a:prstGeom prst="rect">
             <a:avLst/>
@@ -2032,7 +2077,25 @@
               <a:rPr lang="de-CH" altLang="de-DE" sz="3200" dirty="0">
                 <a:latin typeface="Lucida Sans" pitchFamily="34" charset="0"/>
               </a:rPr>
-              <a:t>Um alle Barrieren zwischen dem Zuhörer und seiner Musik zu vernichten, </a:t>
+              <a:t>Um </a:t>
+            </a:r>
+            <a:r>
+              <a:rPr lang="de-CH" altLang="de-DE" sz="3200" dirty="0" smtClean="0">
+                <a:latin typeface="Lucida Sans" pitchFamily="34" charset="0"/>
+              </a:rPr>
+              <a:t>schliesslich alle </a:t>
+            </a:r>
+            <a:r>
+              <a:rPr lang="de-CH" altLang="de-DE" sz="3200" dirty="0">
+                <a:latin typeface="Lucida Sans" pitchFamily="34" charset="0"/>
+              </a:rPr>
+              <a:t>Barrieren zwischen dem Zuhörer und seiner Musik zu </a:t>
+            </a:r>
+            <a:r>
+              <a:rPr lang="de-CH" altLang="de-DE" sz="3200" dirty="0" smtClean="0">
+                <a:latin typeface="Lucida Sans" pitchFamily="34" charset="0"/>
+              </a:rPr>
+              <a:t>entfernen, </a:t>
             </a:r>
             <a:r>
               <a:rPr lang="de-CH" altLang="de-DE" sz="3200" dirty="0" smtClean="0">
@@ -2054,8 +2117,8 @@
         </p:nvSpPr>
         <p:spPr>
           <a:xfrm>
-            <a:off x="10641742" y="12252329"/>
-            <a:ext cx="8845847" cy="5693866"/>
+            <a:off x="10515661" y="12252329"/>
+            <a:ext cx="9354671" cy="5693866"/>
           </a:xfrm>
           <a:prstGeom prst="rect">
             <a:avLst/>
@@ -2124,7 +2187,19 @@
               <a:rPr lang="de-CH" altLang="de-DE" sz="3200" dirty="0" smtClean="0">
                 <a:latin typeface="Lucida Sans" pitchFamily="34" charset="0"/>
               </a:rPr>
-              <a:t>-level Umsetzung technisch und zeitlich ausserhalb des Scopes lag, wurde für diese Arbeit die Spiel-Engine </a:t>
+              <a:t>-level Umsetzung technisch und zeitlich </a:t>
+            </a:r>
+            <a:r>
+              <a:rPr lang="de-CH" altLang="de-DE" sz="3200" dirty="0" smtClean="0">
+                <a:latin typeface="Lucida Sans" pitchFamily="34" charset="0"/>
+              </a:rPr>
+              <a:t>den Umfang sprengen würde, </a:t>
+            </a:r>
+            <a:r>
+              <a:rPr lang="de-CH" altLang="de-DE" sz="3200" dirty="0" smtClean="0">
+                <a:latin typeface="Lucida Sans" pitchFamily="34" charset="0"/>
+              </a:rPr>
+              <a:t>wurde für diese Arbeit die Spiel-Engine </a:t>
             </a:r>
             <a:r>
               <a:rPr lang="de-CH" altLang="de-DE" sz="3200" dirty="0" err="1" smtClean="0">
@@ -2228,7 +2303,31 @@
               <a:rPr lang="de-CH" altLang="de-DE" sz="3200" dirty="0" smtClean="0">
                 <a:latin typeface="Lucida Sans" pitchFamily="34" charset="0"/>
               </a:rPr>
-              <a:t>Designtechnisch werden hauptsächlich geometrische Objekte verwendet, damit keine Zeit zum Erstellen von 3D-Grafiken verloren geht. Diese reagieren teilweise zu Beats, Peaks und Wellen in der Musik.</a:t>
+              <a:t>Designtechnisch werden hauptsächlich geometrische Objekte verwendet, damit keine Zeit </a:t>
+            </a:r>
+            <a:r>
+              <a:rPr lang="de-CH" altLang="de-DE" sz="3200" dirty="0" smtClean="0">
+                <a:latin typeface="Lucida Sans" pitchFamily="34" charset="0"/>
+              </a:rPr>
+              <a:t>für das Erstellen </a:t>
+            </a:r>
+            <a:r>
+              <a:rPr lang="de-CH" altLang="de-DE" sz="3200" dirty="0" smtClean="0">
+                <a:latin typeface="Lucida Sans" pitchFamily="34" charset="0"/>
+              </a:rPr>
+              <a:t>von 3D-Grafiken verloren geht. Diese reagieren teilweise </a:t>
+            </a:r>
+            <a:r>
+              <a:rPr lang="de-CH" altLang="de-DE" sz="3200" dirty="0" smtClean="0">
+                <a:latin typeface="Lucida Sans" pitchFamily="34" charset="0"/>
+              </a:rPr>
+              <a:t>auf Beats</a:t>
+            </a:r>
+            <a:r>
+              <a:rPr lang="de-CH" altLang="de-DE" sz="3200" dirty="0" smtClean="0">
+                <a:latin typeface="Lucida Sans" pitchFamily="34" charset="0"/>
+              </a:rPr>
+              <a:t>, Peaks und Wellen in der Musik.</a:t>
             </a:r>
             <a:endParaRPr lang="de-CH" altLang="de-DE" sz="3200" dirty="0">
               <a:latin typeface="Lucida Sans" pitchFamily="34" charset="0"/>
@@ -2517,7 +2616,12 @@
 </file>
 
 <file path=customXml/item1.xml><?xml version="1.0" encoding="utf-8"?>
-<LongProperties xmlns="http://schemas.microsoft.com/office/2006/metadata/longProperties"/>
+<?mso-contentType ?>
+<FormTemplates xmlns="http://schemas.microsoft.com/sharepoint/v3/contenttype/forms">
+  <Display>DocumentLibraryForm</Display>
+  <Edit>DocumentLibraryForm</Edit>
+  <New>DocumentLibraryForm</New>
+</FormTemplates>
 </file>
 
 <file path=customXml/item2.xml><?xml version="1.0" encoding="utf-8"?>
@@ -2666,12 +2770,7 @@
 </file>
 
 <file path=customXml/item3.xml><?xml version="1.0" encoding="utf-8"?>
-<?mso-contentType ?>
-<FormTemplates xmlns="http://schemas.microsoft.com/sharepoint/v3/contenttype/forms">
-  <Display>DocumentLibraryForm</Display>
-  <Edit>DocumentLibraryForm</Edit>
-  <New>DocumentLibraryForm</New>
-</FormTemplates>
+<LongProperties xmlns="http://schemas.microsoft.com/office/2006/metadata/longProperties"/>
 </file>
 
 <file path=customXml/item4.xml><?xml version="1.0" encoding="utf-8"?>
@@ -2693,9 +2792,9 @@
 </file>
 
 <file path=customXml/itemProps1.xml><?xml version="1.0" encoding="utf-8"?>
-<ds:datastoreItem xmlns:ds="http://schemas.openxmlformats.org/officeDocument/2006/customXml" ds:itemID="{34ACECAE-8DDC-4218-ADDE-80828E100BF5}">
+<ds:datastoreItem xmlns:ds="http://schemas.openxmlformats.org/officeDocument/2006/customXml" ds:itemID="{47870AFC-B140-4E73-B0E2-054A74E7EB25}">
   <ds:schemaRefs>
-    <ds:schemaRef ds:uri="http://schemas.microsoft.com/office/2006/metadata/longProperties"/>
+    <ds:schemaRef ds:uri="http://schemas.microsoft.com/sharepoint/v3/contenttype/forms"/>
   </ds:schemaRefs>
 </ds:datastoreItem>
 </file>
@@ -2720,9 +2819,9 @@
 </file>
 
 <file path=customXml/itemProps3.xml><?xml version="1.0" encoding="utf-8"?>
-<ds:datastoreItem xmlns:ds="http://schemas.openxmlformats.org/officeDocument/2006/customXml" ds:itemID="{47870AFC-B140-4E73-B0E2-054A74E7EB25}">
+<ds:datastoreItem xmlns:ds="http://schemas.openxmlformats.org/officeDocument/2006/customXml" ds:itemID="{34ACECAE-8DDC-4218-ADDE-80828E100BF5}">
   <ds:schemaRefs>
-    <ds:schemaRef ds:uri="http://schemas.microsoft.com/sharepoint/v3/contenttype/forms"/>
+    <ds:schemaRef ds:uri="http://schemas.microsoft.com/office/2006/metadata/longProperties"/>
   </ds:schemaRefs>
 </ds:datastoreItem>
 </file>
